--- a/doc/MultiClock_presentation.pptx
+++ b/doc/MultiClock_presentation.pptx
@@ -3858,10 +3858,18 @@
           <a:p>
             <a:r>
               <a:rPr lang="fr-CH" dirty="0" smtClean="0"/>
-              <a:t>Choix vaste de fonctions</a:t>
-            </a:r>
-          </a:p>
-          <a:p>
+              <a:t>Vaste choix de </a:t>
+            </a:r>
+            <a:r>
+              <a:rPr lang="fr-CH" dirty="0" smtClean="0"/>
+              <a:t>fonctions</a:t>
+            </a:r>
+          </a:p>
+          <a:p>
+            <a:r>
+              <a:rPr lang="fr-CH" smtClean="0"/>
+              <a:t>s</a:t>
+            </a:r>
             <a:endParaRPr lang="fr-CH" dirty="0"/>
           </a:p>
         </p:txBody>
